--- a/Document/Preliminary Submissions/3. valuepropositioncanvas.pptx
+++ b/Document/Preliminary Submissions/3. valuepropositioncanvas.pptx
@@ -1,8 +1,8 @@
 
 <file path=ppt/presentation.xml><?xml version="1.0" encoding="utf-8"?>
-<p:presentation xmlns:a="http://schemas.openxmlformats.org/drawingml/2006/main" xmlns:r="http://schemas.openxmlformats.org/officeDocument/2006/relationships" xmlns:p="http://schemas.openxmlformats.org/presentationml/2006/main">
+<p:presentation xmlns:r="http://schemas.openxmlformats.org/officeDocument/2006/relationships" xmlns:c="http://schemas.openxmlformats.org/drawingml/2006/chart" xmlns:a="http://schemas.openxmlformats.org/drawingml/2006/main" xmlns:dgm="http://schemas.openxmlformats.org/drawingml/2006/diagram" xmlns:dsp="http://schemas.microsoft.com/office/drawing/2008/diagram" xmlns:p="http://schemas.openxmlformats.org/presentationml/2006/main">
   <p:sldMasterIdLst>
-    <p:sldMasterId id="2147483648" r:id="rId1"/>
+    <p:sldMasterId id="2147483666" r:id="rId1"/>
   </p:sldMasterIdLst>
   <p:sldIdLst>
     <p:sldId id="256" r:id="rId2"/>
@@ -14,22 +14,6 @@
       <a:defRPr kern="0"/>
     </a:defPPr>
   </p:defaultTextStyle>
-  <p:extLst>
-    <p:ext uri="{EFAFB233-063F-42B5-8137-9DF3F51BA10A}">
-      <p15:sldGuideLst xmlns:p15="http://schemas.microsoft.com/office/powerpoint/2012/main">
-        <p15:guide id="1" orient="horz" pos="2880">
-          <p15:clr>
-            <a:srgbClr val="A4A3A4"/>
-          </p15:clr>
-        </p15:guide>
-        <p15:guide id="2" pos="2160">
-          <p15:clr>
-            <a:srgbClr val="A4A3A4"/>
-          </p15:clr>
-        </p15:guide>
-      </p15:sldGuideLst>
-    </p:ext>
-  </p:extLst>
 </p:presentation>
 </file>
 
@@ -1222,7 +1206,7 @@
 </file>
 
 <file path=ppt/slides/slide1.xml><?xml version="1.0" encoding="utf-8"?>
-<p:sld xmlns:a="http://schemas.openxmlformats.org/drawingml/2006/main" xmlns:r="http://schemas.openxmlformats.org/officeDocument/2006/relationships" xmlns:p="http://schemas.openxmlformats.org/presentationml/2006/main">
+<p:sld xmlns:r="http://schemas.openxmlformats.org/officeDocument/2006/relationships" xmlns:c="http://schemas.openxmlformats.org/drawingml/2006/chart" xmlns:a="http://schemas.openxmlformats.org/drawingml/2006/main" xmlns:dgm="http://schemas.openxmlformats.org/drawingml/2006/diagram" xmlns:dsp="http://schemas.microsoft.com/office/drawing/2008/diagram" xmlns:p="http://schemas.openxmlformats.org/presentationml/2006/main">
   <p:cSld>
     <p:spTree>
       <p:nvGrpSpPr>
@@ -1240,12 +1224,12 @@
       </p:grpSpPr>
       <p:pic>
         <p:nvPicPr>
-          <p:cNvPr id="2" name="object 2"/>
+          <p:cNvPr id="12" name="object 2"/>
           <p:cNvPicPr/>
           <p:nvPr/>
         </p:nvPicPr>
-        <p:blipFill>
-          <a:blip r:embed="rId2" cstate="print"/>
+        <p:blipFill rotWithShape="1">
+          <a:blip r:embed="rId2"/>
           <a:stretch>
             <a:fillRect/>
           </a:stretch>
@@ -1262,13 +1246,7 @@
       </p:pic>
       <p:sp>
         <p:nvSpPr>
-          <p:cNvPr id="3" name="TextBox 2">
-            <a:extLst>
-              <a:ext uri="{FF2B5EF4-FFF2-40B4-BE49-F238E27FC236}">
-                <a16:creationId xmlns:a16="http://schemas.microsoft.com/office/drawing/2014/main" id="{E76774EE-C651-FDF1-741A-EE78AC3A445C}"/>
-              </a:ext>
-            </a:extLst>
-          </p:cNvPr>
+          <p:cNvPr id="13" name="TextBox 2"/>
           <p:cNvSpPr txBox="1"/>
           <p:nvPr/>
         </p:nvSpPr>
@@ -1283,30 +1261,36 @@
           <a:noFill/>
         </p:spPr>
         <p:txBody>
-          <a:bodyPr wrap="none" rtlCol="0">
+          <a:bodyPr wrap="none">
             <a:spAutoFit/>
           </a:bodyPr>
-          <a:lstStyle/>
-          <a:p>
-            <a:r>
-              <a:rPr lang="ko-KR" altLang="en-US" sz="1600" dirty="0">
-                <a:latin typeface="+mn-ea"/>
-                <a:ea typeface="+mn-ea"/>
+          <a:p>
+            <a:pPr lvl="0">
+              <a:defRPr/>
+            </a:pPr>
+            <a:r>
+              <a:rPr lang="ko-KR" altLang="en-US" sz="1600">
+                <a:solidFill>
+                  <a:srgbClr val="000000"/>
+                </a:solidFill>
+                <a:latin typeface="Calibri"/>
+                <a:ea typeface="맑은 고딕"/>
               </a:rPr>
               <a:t>거리 환경 개선 사업을 시작하기 원하는 지자체</a:t>
             </a:r>
-          </a:p>
-        </p:txBody>
-      </p:sp>
-      <p:sp>
-        <p:nvSpPr>
-          <p:cNvPr id="4" name="직사각형 3">
-            <a:extLst>
-              <a:ext uri="{FF2B5EF4-FFF2-40B4-BE49-F238E27FC236}">
-                <a16:creationId xmlns:a16="http://schemas.microsoft.com/office/drawing/2014/main" id="{8AEF72D6-3072-9D24-4194-0DC94134AAFF}"/>
-              </a:ext>
-            </a:extLst>
-          </p:cNvPr>
+            <a:endParaRPr lang="ko-KR" altLang="en-US" sz="1600">
+              <a:solidFill>
+                <a:srgbClr val="000000"/>
+              </a:solidFill>
+              <a:latin typeface="Calibri"/>
+              <a:ea typeface="맑은 고딕"/>
+            </a:endParaRPr>
+          </a:p>
+        </p:txBody>
+      </p:sp>
+      <p:sp>
+        <p:nvSpPr>
+          <p:cNvPr id="14" name="직사각형 3"/>
           <p:cNvSpPr/>
           <p:nvPr/>
         </p:nvSpPr>
@@ -1318,45 +1302,47 @@
           <a:prstGeom prst="rect">
             <a:avLst/>
           </a:prstGeom>
-          <a:ln>
+          <a:solidFill>
+            <a:srgbClr val="ffffff">
+              <a:alpha val="100000"/>
+            </a:srgbClr>
+          </a:solidFill>
+          <a:ln w="25400" cap="flat" cmpd="sng" algn="ctr">
             <a:noFill/>
+            <a:prstDash val="solid"/>
           </a:ln>
         </p:spPr>
-        <p:style>
-          <a:lnRef idx="2">
-            <a:schemeClr val="dk1"/>
-          </a:lnRef>
-          <a:fillRef idx="1">
-            <a:schemeClr val="lt1"/>
-          </a:fillRef>
-          <a:effectRef idx="0">
-            <a:schemeClr val="dk1"/>
-          </a:effectRef>
-          <a:fontRef idx="minor">
-            <a:schemeClr val="dk1"/>
-          </a:fontRef>
-        </p:style>
-        <p:txBody>
-          <a:bodyPr rtlCol="0" anchor="ctr"/>
-          <a:lstStyle/>
-          <a:p>
-            <a:pPr algn="ctr"/>
-            <a:r>
-              <a:rPr lang="ko-KR" altLang="en-US" dirty="0"/>
+        <p:txBody>
+          <a:bodyPr anchor="ctr"/>
+          <a:p>
+            <a:pPr algn="ctr">
+              <a:defRPr/>
+            </a:pPr>
+            <a:r>
+              <a:rPr lang="ko-KR" altLang="en-US">
+                <a:solidFill>
+                  <a:srgbClr val="000000"/>
+                </a:solidFill>
+                <a:latin typeface="Calibri"/>
+                <a:ea typeface="맑은 고딕"/>
+                <a:cs typeface="맑은 고딕"/>
+              </a:rPr>
               <a:t>주민들이 직접 불법행위를 신고</a:t>
             </a:r>
-          </a:p>
-        </p:txBody>
-      </p:sp>
-      <p:sp>
-        <p:nvSpPr>
-          <p:cNvPr id="5" name="직사각형 4">
-            <a:extLst>
-              <a:ext uri="{FF2B5EF4-FFF2-40B4-BE49-F238E27FC236}">
-                <a16:creationId xmlns:a16="http://schemas.microsoft.com/office/drawing/2014/main" id="{EC9F69B6-C317-477F-9FFD-866849437503}"/>
-              </a:ext>
-            </a:extLst>
-          </p:cNvPr>
+            <a:endParaRPr lang="ko-KR" altLang="en-US">
+              <a:solidFill>
+                <a:srgbClr val="000000"/>
+              </a:solidFill>
+              <a:latin typeface="Calibri"/>
+              <a:ea typeface="맑은 고딕"/>
+              <a:cs typeface="맑은 고딕"/>
+            </a:endParaRPr>
+          </a:p>
+        </p:txBody>
+      </p:sp>
+      <p:sp>
+        <p:nvSpPr>
+          <p:cNvPr id="15" name="직사각형 4"/>
           <p:cNvSpPr/>
           <p:nvPr/>
         </p:nvSpPr>
@@ -1368,45 +1354,47 @@
           <a:prstGeom prst="rect">
             <a:avLst/>
           </a:prstGeom>
-          <a:ln>
+          <a:solidFill>
+            <a:srgbClr val="ffffff">
+              <a:alpha val="100000"/>
+            </a:srgbClr>
+          </a:solidFill>
+          <a:ln w="25400" cap="flat" cmpd="sng" algn="ctr">
             <a:noFill/>
+            <a:prstDash val="solid"/>
           </a:ln>
         </p:spPr>
-        <p:style>
-          <a:lnRef idx="2">
-            <a:schemeClr val="dk1"/>
-          </a:lnRef>
-          <a:fillRef idx="1">
-            <a:schemeClr val="lt1"/>
-          </a:fillRef>
-          <a:effectRef idx="0">
-            <a:schemeClr val="dk1"/>
-          </a:effectRef>
-          <a:fontRef idx="minor">
-            <a:schemeClr val="dk1"/>
-          </a:fontRef>
-        </p:style>
-        <p:txBody>
-          <a:bodyPr rtlCol="0" anchor="ctr"/>
-          <a:lstStyle/>
-          <a:p>
-            <a:pPr algn="ctr"/>
-            <a:r>
-              <a:rPr lang="ko-KR" altLang="en-US" dirty="0"/>
+        <p:txBody>
+          <a:bodyPr anchor="ctr"/>
+          <a:p>
+            <a:pPr algn="ctr">
+              <a:defRPr/>
+            </a:pPr>
+            <a:r>
+              <a:rPr lang="ko-KR" altLang="en-US">
+                <a:solidFill>
+                  <a:srgbClr val="000000"/>
+                </a:solidFill>
+                <a:latin typeface="Calibri"/>
+                <a:ea typeface="맑은 고딕"/>
+                <a:cs typeface="맑은 고딕"/>
+              </a:rPr>
               <a:t>단속을 통한 불법행위 적발</a:t>
             </a:r>
-          </a:p>
-        </p:txBody>
-      </p:sp>
-      <p:sp>
-        <p:nvSpPr>
-          <p:cNvPr id="9" name="TextBox 8">
-            <a:extLst>
-              <a:ext uri="{FF2B5EF4-FFF2-40B4-BE49-F238E27FC236}">
-                <a16:creationId xmlns:a16="http://schemas.microsoft.com/office/drawing/2014/main" id="{33077B64-5AFE-C377-999C-A9799E414759}"/>
-              </a:ext>
-            </a:extLst>
-          </p:cNvPr>
+            <a:endParaRPr lang="ko-KR" altLang="en-US">
+              <a:solidFill>
+                <a:srgbClr val="000000"/>
+              </a:solidFill>
+              <a:latin typeface="Calibri"/>
+              <a:ea typeface="맑은 고딕"/>
+              <a:cs typeface="맑은 고딕"/>
+            </a:endParaRPr>
+          </a:p>
+        </p:txBody>
+      </p:sp>
+      <p:sp>
+        <p:nvSpPr>
+          <p:cNvPr id="16" name="TextBox 8"/>
           <p:cNvSpPr txBox="1"/>
           <p:nvPr/>
         </p:nvSpPr>
@@ -1421,34 +1409,36 @@
           <a:noFill/>
         </p:spPr>
         <p:txBody>
-          <a:bodyPr wrap="none" rtlCol="0">
+          <a:bodyPr wrap="none">
             <a:spAutoFit/>
           </a:bodyPr>
-          <a:lstStyle/>
-          <a:p>
-            <a:r>
-              <a:rPr lang="en-US" altLang="ko-KR" sz="1600" dirty="0">
-                <a:latin typeface="+mn-ea"/>
-                <a:ea typeface="+mn-ea"/>
+          <a:p>
+            <a:pPr lvl="0">
+              <a:defRPr/>
+            </a:pPr>
+            <a:r>
+              <a:rPr lang="en-US" altLang="ko-KR" sz="1600">
+                <a:solidFill>
+                  <a:srgbClr val="000000"/>
+                </a:solidFill>
+                <a:latin typeface="맑은 고딕"/>
+                <a:ea typeface="맑은 고딕"/>
               </a:rPr>
               <a:t>Zenith</a:t>
             </a:r>
-            <a:endParaRPr lang="ko-KR" altLang="en-US" sz="1600" dirty="0">
-              <a:latin typeface="+mn-ea"/>
-              <a:ea typeface="+mn-ea"/>
-            </a:endParaRPr>
-          </a:p>
-        </p:txBody>
-      </p:sp>
-      <p:sp>
-        <p:nvSpPr>
-          <p:cNvPr id="11" name="TextBox 10">
-            <a:extLst>
-              <a:ext uri="{FF2B5EF4-FFF2-40B4-BE49-F238E27FC236}">
-                <a16:creationId xmlns:a16="http://schemas.microsoft.com/office/drawing/2014/main" id="{9CE9E216-647A-FB04-DF8A-ED6181D032C3}"/>
-              </a:ext>
-            </a:extLst>
-          </p:cNvPr>
+            <a:endParaRPr lang="ko-KR" altLang="en-US" sz="1600">
+              <a:solidFill>
+                <a:srgbClr val="000000"/>
+              </a:solidFill>
+              <a:latin typeface="Calibri"/>
+              <a:ea typeface="맑은 고딕"/>
+            </a:endParaRPr>
+          </a:p>
+        </p:txBody>
+      </p:sp>
+      <p:sp>
+        <p:nvSpPr>
+          <p:cNvPr id="17" name="TextBox 10"/>
           <p:cNvSpPr txBox="1"/>
           <p:nvPr/>
         </p:nvSpPr>
@@ -1463,18 +1453,1304 @@
           <a:noFill/>
         </p:spPr>
         <p:txBody>
-          <a:bodyPr wrap="none" rtlCol="0">
+          <a:bodyPr wrap="none">
             <a:spAutoFit/>
           </a:bodyPr>
-          <a:lstStyle/>
-          <a:p>
-            <a:r>
-              <a:rPr lang="ko-KR" altLang="en-US" sz="1600" dirty="0">
-                <a:latin typeface="+mn-ea"/>
-                <a:ea typeface="+mn-ea"/>
+          <a:p>
+            <a:pPr lvl="0">
+              <a:defRPr/>
+            </a:pPr>
+            <a:r>
+              <a:rPr lang="ko-KR" altLang="en-US" sz="1600">
+                <a:solidFill>
+                  <a:srgbClr val="000000"/>
+                </a:solidFill>
+                <a:latin typeface="Calibri"/>
+                <a:ea typeface="맑은 고딕"/>
               </a:rPr>
               <a:t>불법행위 단속 시스템</a:t>
             </a:r>
+            <a:endParaRPr lang="ko-KR" altLang="en-US" sz="1600">
+              <a:solidFill>
+                <a:srgbClr val="000000"/>
+              </a:solidFill>
+              <a:latin typeface="Calibri"/>
+              <a:ea typeface="맑은 고딕"/>
+            </a:endParaRPr>
+          </a:p>
+        </p:txBody>
+      </p:sp>
+      <p:sp>
+        <p:nvSpPr>
+          <p:cNvPr id="18" name="직사각형 6"/>
+          <p:cNvSpPr/>
+          <p:nvPr/>
+        </p:nvSpPr>
+        <p:spPr>
+          <a:xfrm>
+            <a:off x="1023413" y="3463994"/>
+            <a:ext cx="2175596" cy="533400"/>
+          </a:xfrm>
+          <a:prstGeom prst="rect">
+            <a:avLst/>
+          </a:prstGeom>
+          <a:solidFill>
+            <a:srgbClr val="ffffff">
+              <a:alpha val="100000"/>
+            </a:srgbClr>
+          </a:solidFill>
+          <a:ln w="25400" cap="flat" cmpd="sng" algn="ctr">
+            <a:noFill/>
+            <a:prstDash val="solid"/>
+          </a:ln>
+        </p:spPr>
+        <p:txBody>
+          <a:bodyPr anchor="ctr"/>
+          <a:p>
+            <a:pPr algn="ctr">
+              <a:defRPr/>
+            </a:pPr>
+            <a:endParaRPr lang="ko-KR" altLang="en-US">
+              <a:solidFill>
+                <a:srgbClr val="ffffff"/>
+              </a:solidFill>
+              <a:latin typeface="Calibri"/>
+              <a:ea typeface="맑은 고딕"/>
+              <a:cs typeface="맑은 고딕"/>
+            </a:endParaRPr>
+          </a:p>
+        </p:txBody>
+      </p:sp>
+      <p:sp>
+        <p:nvSpPr>
+          <p:cNvPr id="19" name="직사각형 7"/>
+          <p:cNvSpPr/>
+          <p:nvPr/>
+        </p:nvSpPr>
+        <p:spPr>
+          <a:xfrm>
+            <a:off x="1217187" y="6481021"/>
+            <a:ext cx="2175596" cy="533400"/>
+          </a:xfrm>
+          <a:prstGeom prst="rect">
+            <a:avLst/>
+          </a:prstGeom>
+          <a:solidFill>
+            <a:srgbClr val="ffffff">
+              <a:alpha val="100000"/>
+            </a:srgbClr>
+          </a:solidFill>
+          <a:ln w="25400" cap="flat" cmpd="sng" algn="ctr">
+            <a:noFill/>
+            <a:prstDash val="solid"/>
+          </a:ln>
+        </p:spPr>
+        <p:txBody>
+          <a:bodyPr anchor="ctr"/>
+          <a:p>
+            <a:pPr algn="ctr">
+              <a:defRPr/>
+            </a:pPr>
+            <a:endParaRPr lang="ko-KR" altLang="en-US">
+              <a:solidFill>
+                <a:srgbClr val="ffffff"/>
+              </a:solidFill>
+              <a:latin typeface="Calibri"/>
+              <a:ea typeface="맑은 고딕"/>
+              <a:cs typeface="맑은 고딕"/>
+            </a:endParaRPr>
+          </a:p>
+        </p:txBody>
+      </p:sp>
+      <p:sp>
+        <p:nvSpPr>
+          <p:cNvPr id="20" name="직사각형 9"/>
+          <p:cNvSpPr/>
+          <p:nvPr/>
+        </p:nvSpPr>
+        <p:spPr>
+          <a:xfrm>
+            <a:off x="4367721" y="5045813"/>
+            <a:ext cx="2579179" cy="533400"/>
+          </a:xfrm>
+          <a:prstGeom prst="rect">
+            <a:avLst/>
+          </a:prstGeom>
+          <a:solidFill>
+            <a:srgbClr val="ffffff">
+              <a:alpha val="100000"/>
+            </a:srgbClr>
+          </a:solidFill>
+          <a:ln w="25400" cap="flat" cmpd="sng" algn="ctr">
+            <a:noFill/>
+            <a:prstDash val="solid"/>
+          </a:ln>
+        </p:spPr>
+        <p:txBody>
+          <a:bodyPr anchor="ctr"/>
+          <a:p>
+            <a:pPr algn="ctr">
+              <a:defRPr/>
+            </a:pPr>
+            <a:endParaRPr lang="ko-KR" altLang="en-US">
+              <a:solidFill>
+                <a:srgbClr val="ffffff"/>
+              </a:solidFill>
+              <a:latin typeface="Calibri"/>
+              <a:ea typeface="맑은 고딕"/>
+              <a:cs typeface="맑은 고딕"/>
+            </a:endParaRPr>
+          </a:p>
+        </p:txBody>
+      </p:sp>
+      <p:sp>
+        <p:nvSpPr>
+          <p:cNvPr id="21" name="직사각형 11"/>
+          <p:cNvSpPr/>
+          <p:nvPr/>
+        </p:nvSpPr>
+        <p:spPr>
+          <a:xfrm>
+            <a:off x="8326437" y="3698500"/>
+            <a:ext cx="2438400" cy="533400"/>
+          </a:xfrm>
+          <a:prstGeom prst="rect">
+            <a:avLst/>
+          </a:prstGeom>
+          <a:solidFill>
+            <a:srgbClr val="ffffff">
+              <a:alpha val="100000"/>
+            </a:srgbClr>
+          </a:solidFill>
+          <a:ln w="25400" cap="flat" cmpd="sng" algn="ctr">
+            <a:noFill/>
+            <a:prstDash val="solid"/>
+          </a:ln>
+        </p:spPr>
+        <p:txBody>
+          <a:bodyPr anchor="ctr"/>
+          <a:p>
+            <a:pPr algn="ctr">
+              <a:defRPr/>
+            </a:pPr>
+            <a:endParaRPr lang="ko-KR" altLang="en-US">
+              <a:solidFill>
+                <a:srgbClr val="ffffff"/>
+              </a:solidFill>
+              <a:latin typeface="Calibri"/>
+              <a:ea typeface="맑은 고딕"/>
+              <a:cs typeface="맑은 고딕"/>
+            </a:endParaRPr>
+          </a:p>
+        </p:txBody>
+      </p:sp>
+      <p:sp>
+        <p:nvSpPr>
+          <p:cNvPr id="22" name="직사각형 12"/>
+          <p:cNvSpPr/>
+          <p:nvPr/>
+        </p:nvSpPr>
+        <p:spPr>
+          <a:xfrm>
+            <a:off x="8348502" y="6395410"/>
+            <a:ext cx="2438400" cy="533400"/>
+          </a:xfrm>
+          <a:prstGeom prst="rect">
+            <a:avLst/>
+          </a:prstGeom>
+          <a:solidFill>
+            <a:srgbClr val="ffffff">
+              <a:alpha val="100000"/>
+            </a:srgbClr>
+          </a:solidFill>
+          <a:ln w="25400" cap="flat" cmpd="sng" algn="ctr">
+            <a:noFill/>
+            <a:prstDash val="solid"/>
+          </a:ln>
+        </p:spPr>
+        <p:txBody>
+          <a:bodyPr anchor="ctr"/>
+          <a:p>
+            <a:pPr algn="ctr">
+              <a:defRPr/>
+            </a:pPr>
+            <a:endParaRPr lang="ko-KR" altLang="en-US">
+              <a:solidFill>
+                <a:srgbClr val="ffffff"/>
+              </a:solidFill>
+              <a:latin typeface="Calibri"/>
+              <a:ea typeface="맑은 고딕"/>
+              <a:cs typeface="맑은 고딕"/>
+            </a:endParaRPr>
+          </a:p>
+        </p:txBody>
+      </p:sp>
+      <p:sp>
+        <p:nvSpPr>
+          <p:cNvPr id="23" name="직사각형 13"/>
+          <p:cNvSpPr/>
+          <p:nvPr/>
+        </p:nvSpPr>
+        <p:spPr>
+          <a:xfrm>
+            <a:off x="11991385" y="5033851"/>
+            <a:ext cx="1524000" cy="533400"/>
+          </a:xfrm>
+          <a:prstGeom prst="rect">
+            <a:avLst/>
+          </a:prstGeom>
+          <a:solidFill>
+            <a:srgbClr val="ffffff">
+              <a:alpha val="100000"/>
+            </a:srgbClr>
+          </a:solidFill>
+          <a:ln w="25400" cap="flat" cmpd="sng" algn="ctr">
+            <a:noFill/>
+            <a:prstDash val="solid"/>
+          </a:ln>
+        </p:spPr>
+        <p:txBody>
+          <a:bodyPr anchor="ctr"/>
+          <a:p>
+            <a:pPr algn="ctr">
+              <a:defRPr/>
+            </a:pPr>
+            <a:endParaRPr lang="ko-KR" altLang="en-US">
+              <a:solidFill>
+                <a:srgbClr val="ffffff"/>
+              </a:solidFill>
+              <a:latin typeface="Calibri"/>
+              <a:ea typeface="맑은 고딕"/>
+              <a:cs typeface="맑은 고딕"/>
+            </a:endParaRPr>
+          </a:p>
+        </p:txBody>
+      </p:sp>
+      <p:sp>
+        <p:nvSpPr>
+          <p:cNvPr id="24" name="TextBox 14"/>
+          <p:cNvSpPr txBox="1"/>
+          <p:nvPr/>
+        </p:nvSpPr>
+        <p:spPr>
+          <a:xfrm>
+            <a:off x="698500" y="2540664"/>
+            <a:ext cx="3148732" cy="2677656"/>
+          </a:xfrm>
+          <a:prstGeom prst="rect">
+            <a:avLst/>
+          </a:prstGeom>
+          <a:noFill/>
+        </p:spPr>
+        <p:txBody>
+          <a:bodyPr wrap="square">
+            <a:spAutoFit/>
+          </a:bodyPr>
+          <a:p>
+            <a:pPr lvl="0">
+              <a:defRPr/>
+            </a:pPr>
+            <a:r>
+              <a:rPr lang="en-US" altLang="ko-KR" sz="2400" b="1">
+                <a:solidFill>
+                  <a:srgbClr val="000000"/>
+                </a:solidFill>
+                <a:latin typeface="맑은 고딕"/>
+                <a:ea typeface="맑은 고딕"/>
+              </a:rPr>
+              <a:t>Benefit</a:t>
+            </a:r>
+            <a:endParaRPr lang="en-US" altLang="ko-KR" sz="2400" b="1">
+              <a:solidFill>
+                <a:srgbClr val="000000"/>
+              </a:solidFill>
+              <a:latin typeface="맑은 고딕"/>
+              <a:ea typeface="맑은 고딕"/>
+            </a:endParaRPr>
+          </a:p>
+          <a:p>
+            <a:pPr marL="285750" indent="-285750">
+              <a:buFont typeface="Arial"/>
+              <a:buChar char="•"/>
+              <a:defRPr/>
+            </a:pPr>
+            <a:r>
+              <a:rPr lang="ko-KR" altLang="en-US">
+                <a:solidFill>
+                  <a:srgbClr val="000000"/>
+                </a:solidFill>
+                <a:latin typeface="Calibri"/>
+                <a:ea typeface="맑은 고딕"/>
+              </a:rPr>
+              <a:t>기존</a:t>
+            </a:r>
+            <a:r>
+              <a:rPr lang="en-US" altLang="ko-KR">
+                <a:solidFill>
+                  <a:srgbClr val="000000"/>
+                </a:solidFill>
+                <a:latin typeface="맑은 고딕"/>
+                <a:ea typeface="맑은 고딕"/>
+              </a:rPr>
+              <a:t>(cctv</a:t>
+            </a:r>
+            <a:r>
+              <a:rPr lang="ko-KR" altLang="en-US">
+                <a:solidFill>
+                  <a:srgbClr val="000000"/>
+                </a:solidFill>
+                <a:latin typeface="Calibri"/>
+                <a:ea typeface="맑은 고딕"/>
+              </a:rPr>
+              <a:t>감시</a:t>
+            </a:r>
+            <a:r>
+              <a:rPr lang="en-US" altLang="ko-KR">
+                <a:solidFill>
+                  <a:srgbClr val="000000"/>
+                </a:solidFill>
+                <a:latin typeface="맑은 고딕"/>
+                <a:ea typeface="맑은 고딕"/>
+              </a:rPr>
+              <a:t>)</a:t>
+            </a:r>
+            <a:r>
+              <a:rPr lang="ko-KR" altLang="en-US">
+                <a:solidFill>
+                  <a:srgbClr val="000000"/>
+                </a:solidFill>
+                <a:latin typeface="Calibri"/>
+                <a:ea typeface="맑은 고딕"/>
+              </a:rPr>
+              <a:t>에 비해 더 빠르고 신속한 불법투기 정보 기록</a:t>
+            </a:r>
+            <a:endParaRPr lang="ko-KR" altLang="en-US">
+              <a:solidFill>
+                <a:srgbClr val="000000"/>
+              </a:solidFill>
+              <a:latin typeface="Calibri"/>
+              <a:ea typeface="맑은 고딕"/>
+            </a:endParaRPr>
+          </a:p>
+          <a:p>
+            <a:pPr marL="285750" indent="-285750">
+              <a:buFont typeface="Arial"/>
+              <a:buChar char="•"/>
+              <a:defRPr/>
+            </a:pPr>
+            <a:r>
+              <a:rPr lang="ko-KR" altLang="en-US">
+                <a:solidFill>
+                  <a:srgbClr val="000000"/>
+                </a:solidFill>
+                <a:latin typeface="Calibri"/>
+                <a:ea typeface="맑은 고딕"/>
+              </a:rPr>
+              <a:t>단속이 자주 되는 지역 및 시간대를 추천해 인력 낭비 감소</a:t>
+            </a:r>
+            <a:endParaRPr lang="ko-KR" altLang="en-US">
+              <a:solidFill>
+                <a:srgbClr val="000000"/>
+              </a:solidFill>
+              <a:latin typeface="Calibri"/>
+              <a:ea typeface="맑은 고딕"/>
+            </a:endParaRPr>
+          </a:p>
+          <a:p>
+            <a:pPr marL="285750" indent="-285750">
+              <a:buFont typeface="Arial"/>
+              <a:buChar char="•"/>
+              <a:defRPr/>
+            </a:pPr>
+            <a:r>
+              <a:rPr lang="ko-KR" altLang="en-US">
+                <a:solidFill>
+                  <a:srgbClr val="000000"/>
+                </a:solidFill>
+                <a:latin typeface="Calibri"/>
+                <a:ea typeface="맑은 고딕"/>
+              </a:rPr>
+              <a:t>더 실효적인 불법투기 포착</a:t>
+            </a:r>
+            <a:endParaRPr lang="ko-KR" altLang="en-US">
+              <a:solidFill>
+                <a:srgbClr val="000000"/>
+              </a:solidFill>
+              <a:latin typeface="Calibri"/>
+              <a:ea typeface="맑은 고딕"/>
+            </a:endParaRPr>
+          </a:p>
+        </p:txBody>
+      </p:sp>
+      <p:sp>
+        <p:nvSpPr>
+          <p:cNvPr id="25" name="TextBox 15"/>
+          <p:cNvSpPr txBox="1"/>
+          <p:nvPr/>
+        </p:nvSpPr>
+        <p:spPr>
+          <a:xfrm>
+            <a:off x="698500" y="5264150"/>
+            <a:ext cx="3148732" cy="2677656"/>
+          </a:xfrm>
+          <a:prstGeom prst="rect">
+            <a:avLst/>
+          </a:prstGeom>
+          <a:noFill/>
+        </p:spPr>
+        <p:txBody>
+          <a:bodyPr wrap="square">
+            <a:spAutoFit/>
+          </a:bodyPr>
+          <a:p>
+            <a:pPr lvl="0">
+              <a:defRPr/>
+            </a:pPr>
+            <a:r>
+              <a:rPr lang="en-US" altLang="ko-KR" sz="2400" b="1">
+                <a:solidFill>
+                  <a:srgbClr val="000000"/>
+                </a:solidFill>
+                <a:latin typeface="맑은 고딕"/>
+                <a:ea typeface="맑은 고딕"/>
+              </a:rPr>
+              <a:t>Features</a:t>
+            </a:r>
+            <a:endParaRPr lang="en-US" altLang="ko-KR" sz="2400" b="1">
+              <a:solidFill>
+                <a:srgbClr val="000000"/>
+              </a:solidFill>
+              <a:latin typeface="맑은 고딕"/>
+              <a:ea typeface="맑은 고딕"/>
+            </a:endParaRPr>
+          </a:p>
+          <a:p>
+            <a:pPr marL="342900" indent="-342900">
+              <a:buFontTx/>
+              <a:buChar char="-"/>
+              <a:defRPr/>
+            </a:pPr>
+            <a:r>
+              <a:rPr lang="ko-KR" altLang="en-US">
+                <a:solidFill>
+                  <a:srgbClr val="000000"/>
+                </a:solidFill>
+                <a:latin typeface="Calibri"/>
+                <a:ea typeface="맑은 고딕"/>
+              </a:rPr>
+              <a:t>쓰레기를 불법투기 탐지</a:t>
+            </a:r>
+            <a:r>
+              <a:rPr lang="en-US" altLang="ko-KR">
+                <a:solidFill>
+                  <a:srgbClr val="000000"/>
+                </a:solidFill>
+                <a:latin typeface="맑은 고딕"/>
+                <a:ea typeface="맑은 고딕"/>
+              </a:rPr>
+              <a:t> </a:t>
+            </a:r>
+            <a:r>
+              <a:rPr lang="ko-KR" altLang="en-US">
+                <a:solidFill>
+                  <a:srgbClr val="000000"/>
+                </a:solidFill>
+                <a:latin typeface="Calibri"/>
+                <a:ea typeface="맑은 고딕"/>
+              </a:rPr>
+              <a:t>및 경고 </a:t>
+            </a:r>
+            <a:endParaRPr lang="ko-KR" altLang="en-US">
+              <a:solidFill>
+                <a:srgbClr val="000000"/>
+              </a:solidFill>
+              <a:latin typeface="Calibri"/>
+              <a:ea typeface="맑은 고딕"/>
+            </a:endParaRPr>
+          </a:p>
+          <a:p>
+            <a:pPr marL="342900" indent="-342900">
+              <a:buFontTx/>
+              <a:buChar char="-"/>
+              <a:defRPr/>
+            </a:pPr>
+            <a:r>
+              <a:rPr lang="ko-KR" altLang="en-US">
+                <a:solidFill>
+                  <a:srgbClr val="000000"/>
+                </a:solidFill>
+                <a:latin typeface="Calibri"/>
+                <a:ea typeface="맑은 고딕"/>
+              </a:rPr>
+              <a:t>주로 단속되는 지역 및 시간대 감지</a:t>
+            </a:r>
+            <a:endParaRPr lang="ko-KR" altLang="en-US">
+              <a:solidFill>
+                <a:srgbClr val="000000"/>
+              </a:solidFill>
+              <a:latin typeface="Calibri"/>
+              <a:ea typeface="맑은 고딕"/>
+            </a:endParaRPr>
+          </a:p>
+          <a:p>
+            <a:pPr marL="342900" indent="-342900">
+              <a:buFontTx/>
+              <a:buChar char="-"/>
+              <a:defRPr/>
+            </a:pPr>
+            <a:r>
+              <a:rPr lang="ko-KR" altLang="en-US">
+                <a:solidFill>
+                  <a:srgbClr val="000000"/>
+                </a:solidFill>
+                <a:latin typeface="Calibri"/>
+                <a:ea typeface="맑은 고딕"/>
+              </a:rPr>
+              <a:t>불법투기 탐지하였을 때의 위치</a:t>
+            </a:r>
+            <a:r>
+              <a:rPr lang="en-US" altLang="ko-KR">
+                <a:solidFill>
+                  <a:srgbClr val="000000"/>
+                </a:solidFill>
+                <a:latin typeface="맑은 고딕"/>
+                <a:ea typeface="맑은 고딕"/>
+              </a:rPr>
+              <a:t>, </a:t>
+            </a:r>
+            <a:r>
+              <a:rPr lang="ko-KR" altLang="en-US">
+                <a:solidFill>
+                  <a:srgbClr val="000000"/>
+                </a:solidFill>
+                <a:latin typeface="Calibri"/>
+                <a:ea typeface="맑은 고딕"/>
+              </a:rPr>
+              <a:t>시간</a:t>
+            </a:r>
+            <a:r>
+              <a:rPr lang="en-US" altLang="ko-KR">
+                <a:solidFill>
+                  <a:srgbClr val="000000"/>
+                </a:solidFill>
+                <a:latin typeface="맑은 고딕"/>
+                <a:ea typeface="맑은 고딕"/>
+              </a:rPr>
+              <a:t>, </a:t>
+            </a:r>
+            <a:r>
+              <a:rPr lang="ko-KR" altLang="en-US">
+                <a:solidFill>
+                  <a:srgbClr val="000000"/>
+                </a:solidFill>
+                <a:latin typeface="Calibri"/>
+                <a:ea typeface="맑은 고딕"/>
+              </a:rPr>
+              <a:t>날짜 정보를 </a:t>
+            </a:r>
+            <a:r>
+              <a:rPr lang="en-US" altLang="ko-KR">
+                <a:solidFill>
+                  <a:srgbClr val="000000"/>
+                </a:solidFill>
+                <a:latin typeface="맑은 고딕"/>
+                <a:ea typeface="맑은 고딕"/>
+              </a:rPr>
+              <a:t>DB</a:t>
+            </a:r>
+            <a:r>
+              <a:rPr lang="ko-KR" altLang="en-US">
+                <a:solidFill>
+                  <a:srgbClr val="000000"/>
+                </a:solidFill>
+                <a:latin typeface="Calibri"/>
+                <a:ea typeface="맑은 고딕"/>
+              </a:rPr>
+              <a:t>에 저장</a:t>
+            </a:r>
+            <a:endParaRPr lang="ko-KR" altLang="en-US">
+              <a:solidFill>
+                <a:srgbClr val="000000"/>
+              </a:solidFill>
+              <a:latin typeface="Calibri"/>
+              <a:ea typeface="맑은 고딕"/>
+            </a:endParaRPr>
+          </a:p>
+          <a:p>
+            <a:pPr marL="342900" indent="-342900">
+              <a:buFontTx/>
+              <a:buChar char="-"/>
+              <a:defRPr/>
+            </a:pPr>
+            <a:endParaRPr lang="ko-KR" altLang="en-US">
+              <a:solidFill>
+                <a:srgbClr val="000000"/>
+              </a:solidFill>
+              <a:latin typeface="Calibri"/>
+              <a:ea typeface="맑은 고딕"/>
+            </a:endParaRPr>
+          </a:p>
+        </p:txBody>
+      </p:sp>
+      <p:sp>
+        <p:nvSpPr>
+          <p:cNvPr id="26" name="TextBox 16"/>
+          <p:cNvSpPr txBox="1"/>
+          <p:nvPr/>
+        </p:nvSpPr>
+        <p:spPr>
+          <a:xfrm>
+            <a:off x="3847232" y="2520950"/>
+            <a:ext cx="3164248" cy="2769989"/>
+          </a:xfrm>
+          <a:prstGeom prst="rect">
+            <a:avLst/>
+          </a:prstGeom>
+          <a:noFill/>
+        </p:spPr>
+        <p:txBody>
+          <a:bodyPr wrap="square">
+            <a:spAutoFit/>
+          </a:bodyPr>
+          <a:p>
+            <a:pPr lvl="0">
+              <a:defRPr/>
+            </a:pPr>
+            <a:r>
+              <a:rPr lang="en-US" altLang="ko-KR" sz="2400" b="1">
+                <a:solidFill>
+                  <a:srgbClr val="000000"/>
+                </a:solidFill>
+                <a:latin typeface="맑은 고딕"/>
+                <a:ea typeface="맑은 고딕"/>
+              </a:rPr>
+              <a:t>Experience</a:t>
+            </a:r>
+            <a:endParaRPr lang="en-US" altLang="ko-KR" sz="2400" b="1">
+              <a:solidFill>
+                <a:srgbClr val="000000"/>
+              </a:solidFill>
+              <a:latin typeface="맑은 고딕"/>
+              <a:ea typeface="맑은 고딕"/>
+            </a:endParaRPr>
+          </a:p>
+          <a:p>
+            <a:pPr marL="342900" indent="-342900">
+              <a:buFont typeface="Arial"/>
+              <a:buChar char="•"/>
+              <a:defRPr/>
+            </a:pPr>
+            <a:r>
+              <a:rPr lang="ko-KR" altLang="en-US">
+                <a:solidFill>
+                  <a:srgbClr val="000000"/>
+                </a:solidFill>
+                <a:latin typeface="Calibri"/>
+                <a:ea typeface="맑은 고딕"/>
+              </a:rPr>
+              <a:t>기존보다 편리하고 효율적인 불법투기 단속</a:t>
+            </a:r>
+            <a:endParaRPr lang="ko-KR" altLang="en-US">
+              <a:solidFill>
+                <a:srgbClr val="000000"/>
+              </a:solidFill>
+              <a:latin typeface="Calibri"/>
+              <a:ea typeface="맑은 고딕"/>
+            </a:endParaRPr>
+          </a:p>
+          <a:p>
+            <a:pPr marL="342900" indent="-342900">
+              <a:buFont typeface="Arial"/>
+              <a:buChar char="•"/>
+              <a:defRPr/>
+            </a:pPr>
+            <a:endParaRPr lang="en-US" altLang="ko-KR" sz="2400">
+              <a:solidFill>
+                <a:srgbClr val="000000"/>
+              </a:solidFill>
+              <a:latin typeface="맑은 고딕"/>
+              <a:ea typeface="맑은 고딕"/>
+            </a:endParaRPr>
+          </a:p>
+          <a:p>
+            <a:pPr marL="342900" indent="-342900">
+              <a:buFont typeface="Arial"/>
+              <a:buChar char="•"/>
+              <a:defRPr/>
+            </a:pPr>
+            <a:r>
+              <a:rPr lang="ko-KR" altLang="en-US">
+                <a:solidFill>
+                  <a:srgbClr val="000000"/>
+                </a:solidFill>
+                <a:latin typeface="Calibri"/>
+                <a:ea typeface="맑은 고딕"/>
+              </a:rPr>
+              <a:t>언제든지 열람 가능한 불법 투기 데이터 기록</a:t>
+            </a:r>
+            <a:endParaRPr lang="ko-KR" altLang="en-US">
+              <a:solidFill>
+                <a:srgbClr val="000000"/>
+              </a:solidFill>
+              <a:latin typeface="Calibri"/>
+              <a:ea typeface="맑은 고딕"/>
+            </a:endParaRPr>
+          </a:p>
+          <a:p>
+            <a:pPr marL="342900" indent="-342900">
+              <a:buFont typeface="Arial"/>
+              <a:buChar char="•"/>
+              <a:defRPr/>
+            </a:pPr>
+            <a:endParaRPr lang="en-US" altLang="ko-KR">
+              <a:solidFill>
+                <a:srgbClr val="000000"/>
+              </a:solidFill>
+              <a:latin typeface="맑은 고딕"/>
+              <a:ea typeface="맑은 고딕"/>
+            </a:endParaRPr>
+          </a:p>
+          <a:p>
+            <a:pPr marL="342900" indent="-342900">
+              <a:buFont typeface="Arial"/>
+              <a:buChar char="•"/>
+              <a:defRPr/>
+            </a:pPr>
+            <a:r>
+              <a:rPr lang="ko-KR" altLang="en-US">
+                <a:solidFill>
+                  <a:srgbClr val="000000"/>
+                </a:solidFill>
+                <a:latin typeface="Calibri"/>
+                <a:ea typeface="맑은 고딕"/>
+              </a:rPr>
+              <a:t>제품 설치 이전보다 감소한 불법 투기 행위</a:t>
+            </a:r>
+            <a:endParaRPr lang="en-US" altLang="ko-KR">
+              <a:solidFill>
+                <a:srgbClr val="000000"/>
+              </a:solidFill>
+              <a:latin typeface="맑은 고딕"/>
+              <a:ea typeface="맑은 고딕"/>
+            </a:endParaRPr>
+          </a:p>
+        </p:txBody>
+      </p:sp>
+      <p:sp>
+        <p:nvSpPr>
+          <p:cNvPr id="27" name="TextBox 17"/>
+          <p:cNvSpPr txBox="1"/>
+          <p:nvPr/>
+        </p:nvSpPr>
+        <p:spPr>
+          <a:xfrm>
+            <a:off x="10187199" y="2487503"/>
+            <a:ext cx="1247501" cy="461665"/>
+          </a:xfrm>
+          <a:prstGeom prst="rect">
+            <a:avLst/>
+          </a:prstGeom>
+          <a:noFill/>
+        </p:spPr>
+        <p:txBody>
+          <a:bodyPr wrap="square">
+            <a:spAutoFit/>
+          </a:bodyPr>
+          <a:p>
+            <a:pPr lvl="0">
+              <a:defRPr/>
+            </a:pPr>
+            <a:r>
+              <a:rPr lang="en-US" altLang="ko-KR" sz="2400" b="1">
+                <a:solidFill>
+                  <a:srgbClr val="000000"/>
+                </a:solidFill>
+                <a:latin typeface="맑은 고딕"/>
+                <a:ea typeface="맑은 고딕"/>
+              </a:rPr>
+              <a:t>Want</a:t>
+            </a:r>
+            <a:endParaRPr lang="en-US" altLang="ko-KR" sz="2400" b="1">
+              <a:solidFill>
+                <a:srgbClr val="000000"/>
+              </a:solidFill>
+              <a:latin typeface="맑은 고딕"/>
+              <a:ea typeface="맑은 고딕"/>
+            </a:endParaRPr>
+          </a:p>
+        </p:txBody>
+      </p:sp>
+      <p:sp>
+        <p:nvSpPr>
+          <p:cNvPr id="28" name="TextBox 18"/>
+          <p:cNvSpPr txBox="1"/>
+          <p:nvPr/>
+        </p:nvSpPr>
+        <p:spPr>
+          <a:xfrm>
+            <a:off x="7782451" y="5300551"/>
+            <a:ext cx="3819677" cy="1600438"/>
+          </a:xfrm>
+          <a:prstGeom prst="rect">
+            <a:avLst/>
+          </a:prstGeom>
+          <a:noFill/>
+        </p:spPr>
+        <p:txBody>
+          <a:bodyPr wrap="square">
+            <a:spAutoFit/>
+          </a:bodyPr>
+          <a:p>
+            <a:pPr lvl="0">
+              <a:defRPr/>
+            </a:pPr>
+            <a:r>
+              <a:rPr lang="en-US" altLang="ko-KR" sz="2400" b="1">
+                <a:solidFill>
+                  <a:srgbClr val="000000"/>
+                </a:solidFill>
+                <a:latin typeface="맑은 고딕"/>
+                <a:ea typeface="맑은 고딕"/>
+              </a:rPr>
+              <a:t>Needs</a:t>
+            </a:r>
+            <a:endParaRPr lang="en-US" altLang="ko-KR" sz="2400" b="1">
+              <a:solidFill>
+                <a:srgbClr val="000000"/>
+              </a:solidFill>
+              <a:latin typeface="맑은 고딕"/>
+              <a:ea typeface="맑은 고딕"/>
+            </a:endParaRPr>
+          </a:p>
+          <a:p>
+            <a:pPr marL="342900" indent="-342900">
+              <a:buFont typeface="Arial"/>
+              <a:buChar char="•"/>
+              <a:defRPr/>
+            </a:pPr>
+            <a:r>
+              <a:rPr lang="ko-KR" altLang="en-US">
+                <a:solidFill>
+                  <a:srgbClr val="000000"/>
+                </a:solidFill>
+                <a:latin typeface="Calibri"/>
+                <a:ea typeface="맑은 고딕"/>
+              </a:rPr>
+              <a:t>불법투기를 감시하여 단속하는 시스템</a:t>
+            </a:r>
+            <a:endParaRPr lang="ko-KR" altLang="en-US">
+              <a:solidFill>
+                <a:srgbClr val="000000"/>
+              </a:solidFill>
+              <a:latin typeface="Calibri"/>
+              <a:ea typeface="맑은 고딕"/>
+            </a:endParaRPr>
+          </a:p>
+          <a:p>
+            <a:pPr marL="342900" indent="-342900">
+              <a:buFont typeface="Arial"/>
+              <a:buChar char="•"/>
+              <a:defRPr/>
+            </a:pPr>
+            <a:r>
+              <a:rPr lang="ko-KR" altLang="en-US">
+                <a:solidFill>
+                  <a:srgbClr val="000000"/>
+                </a:solidFill>
+                <a:latin typeface="Calibri"/>
+                <a:ea typeface="맑은 고딕"/>
+              </a:rPr>
+              <a:t>불법투기 한 시간</a:t>
+            </a:r>
+            <a:r>
+              <a:rPr lang="en-US" altLang="ko-KR">
+                <a:solidFill>
+                  <a:srgbClr val="000000"/>
+                </a:solidFill>
+                <a:latin typeface="맑은 고딕"/>
+                <a:ea typeface="맑은 고딕"/>
+              </a:rPr>
+              <a:t>, </a:t>
+            </a:r>
+            <a:r>
+              <a:rPr lang="ko-KR" altLang="en-US">
+                <a:solidFill>
+                  <a:srgbClr val="000000"/>
+                </a:solidFill>
+                <a:latin typeface="Calibri"/>
+                <a:ea typeface="맑은 고딕"/>
+              </a:rPr>
+              <a:t>위치 등의 정보를 저장할 수 있는 시스템</a:t>
+            </a:r>
+            <a:endParaRPr lang="en-US" altLang="ko-KR" sz="2000">
+              <a:solidFill>
+                <a:srgbClr val="000000"/>
+              </a:solidFill>
+              <a:latin typeface="맑은 고딕"/>
+              <a:ea typeface="맑은 고딕"/>
+            </a:endParaRPr>
+          </a:p>
+        </p:txBody>
+      </p:sp>
+      <p:sp>
+        <p:nvSpPr>
+          <p:cNvPr id="29" name="TextBox 19"/>
+          <p:cNvSpPr txBox="1"/>
+          <p:nvPr/>
+        </p:nvSpPr>
+        <p:spPr>
+          <a:xfrm>
+            <a:off x="12558504" y="3534011"/>
+            <a:ext cx="1033304" cy="461665"/>
+          </a:xfrm>
+          <a:prstGeom prst="rect">
+            <a:avLst/>
+          </a:prstGeom>
+          <a:noFill/>
+        </p:spPr>
+        <p:txBody>
+          <a:bodyPr wrap="square">
+            <a:spAutoFit/>
+          </a:bodyPr>
+          <a:p>
+            <a:pPr lvl="0">
+              <a:defRPr/>
+            </a:pPr>
+            <a:r>
+              <a:rPr lang="en-US" altLang="ko-KR" sz="2400" b="1">
+                <a:solidFill>
+                  <a:srgbClr val="000000"/>
+                </a:solidFill>
+                <a:latin typeface="맑은 고딕"/>
+                <a:ea typeface="맑은 고딕"/>
+              </a:rPr>
+              <a:t>Fears</a:t>
+            </a:r>
+            <a:endParaRPr lang="en-US" altLang="ko-KR" sz="2400" b="1">
+              <a:solidFill>
+                <a:srgbClr val="000000"/>
+              </a:solidFill>
+              <a:latin typeface="맑은 고딕"/>
+              <a:ea typeface="맑은 고딕"/>
+            </a:endParaRPr>
+          </a:p>
+        </p:txBody>
+      </p:sp>
+      <p:sp>
+        <p:nvSpPr>
+          <p:cNvPr id="30" name="TextBox 20"/>
+          <p:cNvSpPr txBox="1"/>
+          <p:nvPr/>
+        </p:nvSpPr>
+        <p:spPr>
+          <a:xfrm>
+            <a:off x="8741330" y="6829755"/>
+            <a:ext cx="3649616" cy="923330"/>
+          </a:xfrm>
+          <a:prstGeom prst="rect">
+            <a:avLst/>
+          </a:prstGeom>
+          <a:noFill/>
+        </p:spPr>
+        <p:txBody>
+          <a:bodyPr wrap="square">
+            <a:spAutoFit/>
+          </a:bodyPr>
+          <a:p>
+            <a:pPr marL="285750" lvl="8" indent="-285750">
+              <a:buFont typeface="Arial"/>
+              <a:buChar char="•"/>
+              <a:defRPr/>
+            </a:pPr>
+            <a:r>
+              <a:rPr lang="ko-KR" altLang="en-US">
+                <a:solidFill>
+                  <a:srgbClr val="000000"/>
+                </a:solidFill>
+                <a:latin typeface="Calibri"/>
+                <a:ea typeface="맑은 고딕"/>
+              </a:rPr>
+              <a:t>불법투기를 할 시</a:t>
+            </a:r>
+            <a:r>
+              <a:rPr lang="en-US" altLang="ko-KR">
+                <a:solidFill>
+                  <a:srgbClr val="000000"/>
+                </a:solidFill>
+                <a:latin typeface="맑은 고딕"/>
+                <a:ea typeface="맑은 고딕"/>
+              </a:rPr>
+              <a:t>, </a:t>
+            </a:r>
+            <a:r>
+              <a:rPr lang="ko-KR" altLang="en-US">
+                <a:solidFill>
+                  <a:srgbClr val="000000"/>
+                </a:solidFill>
+                <a:latin typeface="Calibri"/>
+                <a:ea typeface="맑은 고딕"/>
+              </a:rPr>
+              <a:t>소리가 들리며 경고를 할 수 있는 시스템</a:t>
+            </a:r>
+            <a:endParaRPr lang="en-US" altLang="ko-KR">
+              <a:solidFill>
+                <a:srgbClr val="000000"/>
+              </a:solidFill>
+              <a:latin typeface="맑은 고딕"/>
+              <a:ea typeface="맑은 고딕"/>
+            </a:endParaRPr>
+          </a:p>
+        </p:txBody>
+      </p:sp>
+      <p:sp>
+        <p:nvSpPr>
+          <p:cNvPr id="31" name="TextBox 22"/>
+          <p:cNvSpPr txBox="1"/>
+          <p:nvPr/>
+        </p:nvSpPr>
+        <p:spPr>
+          <a:xfrm>
+            <a:off x="8171708" y="3556326"/>
+            <a:ext cx="3819677" cy="646331"/>
+          </a:xfrm>
+          <a:prstGeom prst="rect">
+            <a:avLst/>
+          </a:prstGeom>
+          <a:noFill/>
+        </p:spPr>
+        <p:txBody>
+          <a:bodyPr wrap="square">
+            <a:spAutoFit/>
+          </a:bodyPr>
+          <a:p>
+            <a:pPr marL="285750" indent="-285750">
+              <a:buFont typeface="Arial"/>
+              <a:buChar char="•"/>
+              <a:defRPr/>
+            </a:pPr>
+            <a:r>
+              <a:rPr lang="ko-KR" altLang="en-US">
+                <a:solidFill>
+                  <a:srgbClr val="000000"/>
+                </a:solidFill>
+                <a:latin typeface="Calibri"/>
+                <a:ea typeface="맑은 고딕"/>
+              </a:rPr>
+              <a:t>단속이 자주 되는 시간대</a:t>
+            </a:r>
+            <a:r>
+              <a:rPr lang="en-US" altLang="ko-KR">
+                <a:solidFill>
+                  <a:srgbClr val="000000"/>
+                </a:solidFill>
+                <a:latin typeface="맑은 고딕"/>
+                <a:ea typeface="맑은 고딕"/>
+              </a:rPr>
+              <a:t>, </a:t>
+            </a:r>
+            <a:r>
+              <a:rPr lang="ko-KR" altLang="en-US">
+                <a:solidFill>
+                  <a:srgbClr val="000000"/>
+                </a:solidFill>
+                <a:latin typeface="Calibri"/>
+                <a:ea typeface="맑은 고딕"/>
+              </a:rPr>
+              <a:t>장소를 추천</a:t>
+            </a:r>
+            <a:endParaRPr lang="en-US" altLang="ko-KR">
+              <a:solidFill>
+                <a:srgbClr val="000000"/>
+              </a:solidFill>
+              <a:latin typeface="맑은 고딕"/>
+              <a:ea typeface="맑은 고딕"/>
+            </a:endParaRPr>
+          </a:p>
+        </p:txBody>
+      </p:sp>
+      <p:sp>
+        <p:nvSpPr>
+          <p:cNvPr id="32" name="TextBox 24"/>
+          <p:cNvSpPr txBox="1"/>
+          <p:nvPr/>
+        </p:nvSpPr>
+        <p:spPr>
+          <a:xfrm>
+            <a:off x="8611903" y="2962055"/>
+            <a:ext cx="4126197" cy="646331"/>
+          </a:xfrm>
+          <a:prstGeom prst="rect">
+            <a:avLst/>
+          </a:prstGeom>
+          <a:noFill/>
+        </p:spPr>
+        <p:txBody>
+          <a:bodyPr wrap="square">
+            <a:spAutoFit/>
+          </a:bodyPr>
+          <a:p>
+            <a:pPr marL="285750" indent="-285750">
+              <a:buFont typeface="Arial"/>
+              <a:buChar char="•"/>
+              <a:defRPr/>
+            </a:pPr>
+            <a:r>
+              <a:rPr lang="ko-KR" altLang="en-US">
+                <a:solidFill>
+                  <a:srgbClr val="000000"/>
+                </a:solidFill>
+                <a:latin typeface="Calibri"/>
+                <a:ea typeface="맑은 고딕"/>
+              </a:rPr>
+              <a:t>불법투기 행위 자체를 포착하여 불법투기를 할 때만 경고</a:t>
+            </a:r>
+            <a:endParaRPr lang="en-US" altLang="ko-KR">
+              <a:solidFill>
+                <a:srgbClr val="000000"/>
+              </a:solidFill>
+              <a:latin typeface="맑은 고딕"/>
+              <a:ea typeface="맑은 고딕"/>
+            </a:endParaRPr>
+          </a:p>
+        </p:txBody>
+      </p:sp>
+      <p:sp>
+        <p:nvSpPr>
+          <p:cNvPr id="33" name="TextBox 30"/>
+          <p:cNvSpPr txBox="1"/>
+          <p:nvPr/>
+        </p:nvSpPr>
+        <p:spPr>
+          <a:xfrm>
+            <a:off x="7689600" y="4182984"/>
+            <a:ext cx="4047214" cy="646331"/>
+          </a:xfrm>
+          <a:prstGeom prst="rect">
+            <a:avLst/>
+          </a:prstGeom>
+          <a:noFill/>
+        </p:spPr>
+        <p:txBody>
+          <a:bodyPr wrap="square">
+            <a:spAutoFit/>
+          </a:bodyPr>
+          <a:p>
+            <a:pPr marL="285750" indent="-285750">
+              <a:buFont typeface="Arial"/>
+              <a:buChar char="•"/>
+              <a:defRPr/>
+            </a:pPr>
+            <a:r>
+              <a:rPr lang="ko-KR" altLang="en-US">
+                <a:solidFill>
+                  <a:srgbClr val="000000"/>
+                </a:solidFill>
+                <a:latin typeface="Calibri"/>
+                <a:ea typeface="맑은 고딕"/>
+              </a:rPr>
+              <a:t>불법투기 뿐만 아니라 흡연도 탐지하는 다용도 단속 시스템</a:t>
+            </a:r>
+            <a:endParaRPr lang="en-US" altLang="ko-KR">
+              <a:solidFill>
+                <a:srgbClr val="000000"/>
+              </a:solidFill>
+              <a:latin typeface="맑은 고딕"/>
+              <a:ea typeface="맑은 고딕"/>
+            </a:endParaRPr>
+          </a:p>
+        </p:txBody>
+      </p:sp>
+      <p:sp>
+        <p:nvSpPr>
+          <p:cNvPr id="34" name="TextBox 31"/>
+          <p:cNvSpPr txBox="1"/>
+          <p:nvPr/>
+        </p:nvSpPr>
+        <p:spPr>
+          <a:xfrm>
+            <a:off x="11875445" y="4022626"/>
+            <a:ext cx="2080693" cy="2308324"/>
+          </a:xfrm>
+          <a:prstGeom prst="rect">
+            <a:avLst/>
+          </a:prstGeom>
+          <a:noFill/>
+        </p:spPr>
+        <p:txBody>
+          <a:bodyPr wrap="square">
+            <a:spAutoFit/>
+          </a:bodyPr>
+          <a:p>
+            <a:pPr marL="285750" indent="-285750">
+              <a:buFont typeface="Arial"/>
+              <a:buChar char="•"/>
+              <a:defRPr/>
+            </a:pPr>
+            <a:r>
+              <a:rPr lang="ko-KR" altLang="en-US" sz="1600">
+                <a:solidFill>
+                  <a:srgbClr val="000000"/>
+                </a:solidFill>
+                <a:latin typeface="Calibri"/>
+                <a:ea typeface="맑은 고딕"/>
+              </a:rPr>
+              <a:t>자동 단속을 하더라도 과태료 부과는 사람이 직접</a:t>
+            </a:r>
+            <a:endParaRPr lang="ko-KR" altLang="en-US" sz="1600">
+              <a:solidFill>
+                <a:srgbClr val="000000"/>
+              </a:solidFill>
+              <a:latin typeface="Calibri"/>
+              <a:ea typeface="맑은 고딕"/>
+            </a:endParaRPr>
+          </a:p>
+          <a:p>
+            <a:pPr marL="285750" indent="-285750">
+              <a:buFont typeface="Arial"/>
+              <a:buChar char="•"/>
+              <a:defRPr/>
+            </a:pPr>
+            <a:r>
+              <a:rPr lang="ko-KR" altLang="en-US" sz="1600">
+                <a:solidFill>
+                  <a:srgbClr val="000000"/>
+                </a:solidFill>
+                <a:latin typeface="Calibri"/>
+                <a:ea typeface="맑은 고딕"/>
+              </a:rPr>
+              <a:t>불법투기 한 인물 알 수 없음</a:t>
+            </a:r>
+            <a:endParaRPr lang="ko-KR" altLang="en-US" sz="1600">
+              <a:solidFill>
+                <a:srgbClr val="000000"/>
+              </a:solidFill>
+              <a:latin typeface="Calibri"/>
+              <a:ea typeface="맑은 고딕"/>
+            </a:endParaRPr>
+          </a:p>
+          <a:p>
+            <a:pPr marL="285750" indent="-285750">
+              <a:buFont typeface="Arial"/>
+              <a:buChar char="•"/>
+              <a:defRPr/>
+            </a:pPr>
+            <a:r>
+              <a:rPr lang="ko-KR" altLang="en-US" sz="1600">
+                <a:solidFill>
+                  <a:srgbClr val="000000"/>
+                </a:solidFill>
+                <a:latin typeface="Calibri"/>
+                <a:ea typeface="맑은 고딕"/>
+              </a:rPr>
+              <a:t>불법투기데이터를 외부로 출력하기 어려움</a:t>
+            </a:r>
+            <a:endParaRPr lang="en-US" altLang="ko-KR" sz="1600">
+              <a:solidFill>
+                <a:srgbClr val="000000"/>
+              </a:solidFill>
+              <a:latin typeface="맑은 고딕"/>
+              <a:ea typeface="맑은 고딕"/>
+            </a:endParaRPr>
           </a:p>
         </p:txBody>
       </p:sp>
@@ -1483,45 +2759,53 @@
   <p:clrMapOvr>
     <a:masterClrMapping/>
   </p:clrMapOvr>
+  <mc:AlternateContent xmlns:mc="http://schemas.openxmlformats.org/markup-compatibility/2006">
+    <mc:Choice xmlns:p14="http://schemas.microsoft.com/office/powerpoint/2010/main" Requires="p14">
+      <p:transition xmlns:mc="http://schemas.openxmlformats.org/markup-compatibility/2006" xmlns:p14="http://schemas.microsoft.com/office/powerpoint/2010/main" mc:Ignorable="p14" p14:dur="500"/>
+    </mc:Choice>
+    <mc:Fallback>
+      <p:transition/>
+    </mc:Fallback>
+  </mc:AlternateContent>
 </p:sld>
 </file>
 
 <file path=ppt/theme/theme1.xml><?xml version="1.0" encoding="utf-8"?>
-<a:theme xmlns:a="http://schemas.openxmlformats.org/drawingml/2006/main" name="Office Theme">
+<a:theme xmlns:r="http://schemas.openxmlformats.org/officeDocument/2006/relationships" xmlns:c="http://schemas.openxmlformats.org/drawingml/2006/chart" xmlns:dgm="http://schemas.openxmlformats.org/drawingml/2006/diagram" xmlns:dsp="http://schemas.microsoft.com/office/drawing/2008/diagram" xmlns:a="http://schemas.openxmlformats.org/drawingml/2006/main" xmlns:pic="http://schemas.openxmlformats.org/drawingml/2006/picture" xmlns:wp="http://schemas.openxmlformats.org/drawingml/2006/wordprocessingDrawing" xmlns:xdr="http://schemas.openxmlformats.org/drawingml/2006/spreadsheetDrawing" xmlns:lc="http://schemas.openxmlformats.org/drawingml/2006/lockedCanvas" xmlns:p="http://schemas.openxmlformats.org/presentationml/2006/main" name="Office Theme">
   <a:themeElements>
     <a:clrScheme name="Office">
       <a:dk1>
         <a:sysClr val="windowText" lastClr="000000"/>
       </a:dk1>
       <a:lt1>
-        <a:sysClr val="window" lastClr="FFFFFF"/>
+        <a:sysClr val="window" lastClr="ffffff"/>
       </a:lt1>
       <a:dk2>
-        <a:srgbClr val="1F497D"/>
+        <a:srgbClr val="1f497d"/>
       </a:dk2>
       <a:lt2>
-        <a:srgbClr val="EEECE1"/>
+        <a:srgbClr val="eeece1"/>
       </a:lt2>
       <a:accent1>
-        <a:srgbClr val="4F81BD"/>
+        <a:srgbClr val="4f81bd"/>
       </a:accent1>
       <a:accent2>
-        <a:srgbClr val="C0504D"/>
+        <a:srgbClr val="c0504d"/>
       </a:accent2>
       <a:accent3>
-        <a:srgbClr val="9BBB59"/>
+        <a:srgbClr val="9bbb59"/>
       </a:accent3>
       <a:accent4>
-        <a:srgbClr val="8064A2"/>
+        <a:srgbClr val="8064a2"/>
       </a:accent4>
       <a:accent5>
-        <a:srgbClr val="4BACC6"/>
+        <a:srgbClr val="4bacc6"/>
       </a:accent5>
       <a:accent6>
-        <a:srgbClr val="F79646"/>
+        <a:srgbClr val="f79646"/>
       </a:accent6>
       <a:hlink>
-        <a:srgbClr val="0000FF"/>
+        <a:srgbClr val="0000ff"/>
       </a:hlink>
       <a:folHlink>
         <a:srgbClr val="800080"/>
@@ -1532,9 +2816,9 @@
         <a:latin typeface="Calibri"/>
         <a:ea typeface=""/>
         <a:cs typeface=""/>
-        <a:font script="Jpan" typeface="ＭＳ Ｐゴシック"/>
+        <a:font script="Jpan" typeface="MS PGothic"/>
         <a:font script="Hang" typeface="맑은 고딕"/>
-        <a:font script="Hans" typeface="宋体"/>
+        <a:font script="Hans" typeface="SimSun"/>
         <a:font script="Hant" typeface="新細明體"/>
         <a:font script="Arab" typeface="Times New Roman"/>
         <a:font script="Hebr" typeface="Times New Roman"/>
@@ -1566,9 +2850,9 @@
         <a:latin typeface="Calibri"/>
         <a:ea typeface=""/>
         <a:cs typeface=""/>
-        <a:font script="Jpan" typeface="ＭＳ Ｐゴシック"/>
+        <a:font script="Jpan" typeface="MS PGothic"/>
         <a:font script="Hang" typeface="맑은 고딕"/>
-        <a:font script="Hans" typeface="宋体"/>
+        <a:font script="Hans" typeface="SimSun"/>
         <a:font script="Hant" typeface="新細明體"/>
         <a:font script="Arab" typeface="Arial"/>
         <a:font script="Hebr" typeface="Arial"/>
@@ -1764,7 +3048,5 @@
       </a:bgFillStyleLst>
     </a:fmtScheme>
   </a:themeElements>
-  <a:objectDefaults/>
-  <a:extraClrSchemeLst/>
 </a:theme>
 </file>
--- a/Document/Preliminary Submissions/3. valuepropositioncanvas.pptx
+++ b/Document/Preliminary Submissions/3. valuepropositioncanvas.pptx
@@ -2,7 +2,7 @@
 <file path=ppt/presentation.xml><?xml version="1.0" encoding="utf-8"?>
 <p:presentation xmlns:r="http://schemas.openxmlformats.org/officeDocument/2006/relationships" xmlns:c="http://schemas.openxmlformats.org/drawingml/2006/chart" xmlns:a="http://schemas.openxmlformats.org/drawingml/2006/main" xmlns:dgm="http://schemas.openxmlformats.org/drawingml/2006/diagram" xmlns:dsp="http://schemas.microsoft.com/office/drawing/2008/diagram" xmlns:p="http://schemas.openxmlformats.org/presentationml/2006/main">
   <p:sldMasterIdLst>
-    <p:sldMasterId id="2147483666" r:id="rId1"/>
+    <p:sldMasterId id="2147483671" r:id="rId1"/>
   </p:sldMasterIdLst>
   <p:sldIdLst>
     <p:sldId id="256" r:id="rId2"/>
@@ -2669,7 +2669,7 @@
         <p:spPr>
           <a:xfrm>
             <a:off x="11875445" y="4022626"/>
-            <a:ext cx="2080693" cy="2308324"/>
+            <a:ext cx="2080693" cy="2528668"/>
           </a:xfrm>
           <a:prstGeom prst="rect">
             <a:avLst/>
@@ -2694,9 +2694,19 @@
                 <a:latin typeface="Calibri"/>
                 <a:ea typeface="맑은 고딕"/>
               </a:rPr>
-              <a:t>자동 단속을 하더라도 과태료 부과는 사람이 직접</a:t>
-            </a:r>
-            <a:endParaRPr lang="ko-KR" altLang="en-US" sz="1600">
+              <a:t>자동 단속을 하더라도 과태료 부과는 사람이 직접 해야한다</a:t>
+            </a:r>
+            <a:r>
+              <a:rPr lang="en-US" altLang="ko-KR" sz="1600">
+                <a:solidFill>
+                  <a:srgbClr val="000000"/>
+                </a:solidFill>
+                <a:latin typeface="Calibri"/>
+                <a:ea typeface="맑은 고딕"/>
+              </a:rPr>
+              <a:t>.</a:t>
+            </a:r>
+            <a:endParaRPr lang="en-US" altLang="ko-KR" sz="1600">
               <a:solidFill>
                 <a:srgbClr val="000000"/>
               </a:solidFill>
@@ -2720,7 +2730,17 @@
               </a:rPr>
               <a:t>불법투기 한 인물 알 수 없음</a:t>
             </a:r>
-            <a:endParaRPr lang="ko-KR" altLang="en-US" sz="1600">
+            <a:r>
+              <a:rPr lang="en-US" altLang="ko-KR" sz="1600">
+                <a:solidFill>
+                  <a:srgbClr val="000000"/>
+                </a:solidFill>
+                <a:latin typeface="Calibri"/>
+                <a:ea typeface="맑은 고딕"/>
+              </a:rPr>
+              <a:t>.</a:t>
+            </a:r>
+            <a:endParaRPr lang="en-US" altLang="ko-KR" sz="1600">
               <a:solidFill>
                 <a:srgbClr val="000000"/>
               </a:solidFill>
@@ -2742,13 +2762,27 @@
                 <a:latin typeface="Calibri"/>
                 <a:ea typeface="맑은 고딕"/>
               </a:rPr>
-              <a:t>불법투기데이터를 외부로 출력하기 어려움</a:t>
-            </a:r>
-            <a:endParaRPr lang="en-US" altLang="ko-KR" sz="1600">
-              <a:solidFill>
-                <a:srgbClr val="000000"/>
-              </a:solidFill>
-              <a:latin typeface="맑은 고딕"/>
+              <a:t>경고할때 발생하는 어쩔 수 없는 소음</a:t>
+            </a:r>
+            <a:endParaRPr lang="ko-KR" altLang="en-US" sz="1600">
+              <a:solidFill>
+                <a:srgbClr val="000000"/>
+              </a:solidFill>
+              <a:latin typeface="Calibri"/>
+              <a:ea typeface="맑은 고딕"/>
+            </a:endParaRPr>
+          </a:p>
+          <a:p>
+            <a:pPr marL="285750" indent="-285750">
+              <a:buFont typeface="Arial"/>
+              <a:buChar char="•"/>
+              <a:defRPr/>
+            </a:pPr>
+            <a:endParaRPr lang="ko-KR" altLang="en-US" sz="1600">
+              <a:solidFill>
+                <a:srgbClr val="000000"/>
+              </a:solidFill>
+              <a:latin typeface="Calibri"/>
               <a:ea typeface="맑은 고딕"/>
             </a:endParaRPr>
           </a:p>
